--- a/pub/Council/Agenda2012Aug22-23/ContingencyCouncil.pptx
+++ b/pub/Council/Agenda2012Aug22-23/ContingencyCouncil.pptx
@@ -5,10 +5,10 @@
     <p:sldMasterId id="2147483692" r:id="rId1"/>
   </p:sldMasterIdLst>
   <p:notesMasterIdLst>
-    <p:notesMasterId r:id="rId16"/>
+    <p:notesMasterId r:id="rId14"/>
   </p:notesMasterIdLst>
   <p:handoutMasterIdLst>
-    <p:handoutMasterId r:id="rId17"/>
+    <p:handoutMasterId r:id="rId15"/>
   </p:handoutMasterIdLst>
   <p:sldIdLst>
     <p:sldId id="454" r:id="rId2"/>
@@ -22,9 +22,7 @@
     <p:sldId id="461" r:id="rId10"/>
     <p:sldId id="462" r:id="rId11"/>
     <p:sldId id="463" r:id="rId12"/>
-    <p:sldId id="464" r:id="rId13"/>
-    <p:sldId id="465" r:id="rId14"/>
-    <p:sldId id="466" r:id="rId15"/>
+    <p:sldId id="467" r:id="rId13"/>
   </p:sldIdLst>
   <p:sldSz cx="9144000" cy="6858000" type="screen4x3"/>
   <p:notesSz cx="7010400" cy="9296400"/>
@@ -4982,73 +4980,8 @@
           <a:p>
             <a:r>
               <a:rPr lang="en-US" dirty="0" smtClean="0"/>
-              <a:t>Questions</a:t>
-            </a:r>
-            <a:endParaRPr lang="en-US" dirty="0"/>
-          </a:p>
-        </p:txBody>
-      </p:sp>
-      <p:sp>
-        <p:nvSpPr>
-          <p:cNvPr id="3" name="Content Placeholder 2"/>
-          <p:cNvSpPr>
-            <a:spLocks noGrp="1"/>
-          </p:cNvSpPr>
-          <p:nvPr>
-            <p:ph idx="1"/>
-          </p:nvPr>
-        </p:nvSpPr>
-        <p:spPr>
-          <a:xfrm>
-            <a:off x="786912" y="1414505"/>
-            <a:ext cx="7772400" cy="4762288"/>
-          </a:xfrm>
-        </p:spPr>
-        <p:txBody>
-          <a:bodyPr/>
-          <a:lstStyle/>
-          <a:p>
-            <a:r>
-              <a:rPr lang="en-US" dirty="0" smtClean="0"/>
-              <a:t>RAs and VO compromise did not come across clearly. </a:t>
-            </a:r>
-            <a:r>
-              <a:rPr lang="en-US" dirty="0" err="1" smtClean="0"/>
-              <a:t>Miron</a:t>
-            </a:r>
-            <a:r>
-              <a:rPr lang="en-US" dirty="0" smtClean="0"/>
-              <a:t> thinks this did not come through in the front-end compromise.</a:t>
-            </a:r>
-          </a:p>
-          <a:p>
-            <a:r>
-              <a:rPr lang="en-US" dirty="0" err="1" smtClean="0"/>
-              <a:t>Miron</a:t>
-            </a:r>
-            <a:r>
-              <a:rPr lang="en-US" dirty="0" smtClean="0"/>
-              <a:t> thinks without a document that describes how IDs are consumed in </a:t>
-            </a:r>
-            <a:r>
-              <a:rPr lang="en-US" dirty="0" err="1" smtClean="0"/>
-              <a:t>osg</a:t>
-            </a:r>
-            <a:r>
-              <a:rPr lang="en-US" dirty="0" smtClean="0"/>
-              <a:t> this contingency plan is not easy to evaluate or digest. </a:t>
-            </a:r>
-          </a:p>
-          <a:p>
-            <a:r>
-              <a:rPr lang="en-US" dirty="0" smtClean="0"/>
-              <a:t>How can we execute the plan without the IR team itself having certificates. </a:t>
-            </a:r>
-          </a:p>
-          <a:p>
-            <a:endParaRPr lang="en-US" dirty="0" smtClean="0"/>
-          </a:p>
-          <a:p>
+              <a:t>Questions?</a:t>
+            </a:r>
             <a:endParaRPr lang="en-US" dirty="0"/>
           </a:p>
         </p:txBody>
@@ -5077,300 +5010,6 @@
                 <a:defRPr/>
               </a:pPr>
               <a:t>12</a:t>
-            </a:fld>
-            <a:endParaRPr lang="en-US"/>
-          </a:p>
-        </p:txBody>
-      </p:sp>
-    </p:spTree>
-  </p:cSld>
-  <p:clrMapOvr>
-    <a:masterClrMapping/>
-  </p:clrMapOvr>
-</p:sld>
-</file>
-
-<file path=ppt/slides/slide13.xml><?xml version="1.0" encoding="utf-8"?>
-<p:sld xmlns:a="http://schemas.openxmlformats.org/drawingml/2006/main" xmlns:r="http://schemas.openxmlformats.org/officeDocument/2006/relationships" xmlns:mc="http://schemas.openxmlformats.org/markup-compatibility/2006" xmlns:mv="urn:schemas-microsoft-com:mac:vml" xmlns:p="http://schemas.openxmlformats.org/presentationml/2006/main" mc:Ignorable="mv" mc:PreserveAttributes="mv:*">
-  <p:cSld>
-    <p:spTree>
-      <p:nvGrpSpPr>
-        <p:cNvPr id="1" name=""/>
-        <p:cNvGrpSpPr/>
-        <p:nvPr/>
-      </p:nvGrpSpPr>
-      <p:grpSpPr>
-        <a:xfrm>
-          <a:off x="0" y="0"/>
-          <a:ext cx="0" cy="0"/>
-          <a:chOff x="0" y="0"/>
-          <a:chExt cx="0" cy="0"/>
-        </a:xfrm>
-      </p:grpSpPr>
-      <p:sp>
-        <p:nvSpPr>
-          <p:cNvPr id="2" name="Title 1"/>
-          <p:cNvSpPr>
-            <a:spLocks noGrp="1"/>
-          </p:cNvSpPr>
-          <p:nvPr>
-            <p:ph type="title"/>
-          </p:nvPr>
-        </p:nvSpPr>
-        <p:spPr/>
-        <p:txBody>
-          <a:bodyPr/>
-          <a:lstStyle/>
-          <a:p>
-            <a:endParaRPr lang="en-US"/>
-          </a:p>
-        </p:txBody>
-      </p:sp>
-      <p:sp>
-        <p:nvSpPr>
-          <p:cNvPr id="3" name="Content Placeholder 2"/>
-          <p:cNvSpPr>
-            <a:spLocks noGrp="1"/>
-          </p:cNvSpPr>
-          <p:nvPr>
-            <p:ph idx="1"/>
-          </p:nvPr>
-        </p:nvSpPr>
-        <p:spPr>
-          <a:xfrm>
-            <a:off x="786912" y="1579605"/>
-            <a:ext cx="7772400" cy="4762288"/>
-          </a:xfrm>
-        </p:spPr>
-        <p:txBody>
-          <a:bodyPr/>
-          <a:lstStyle/>
-          <a:p>
-            <a:r>
-              <a:rPr lang="en-US" dirty="0" smtClean="0"/>
-              <a:t>Why do not we have back up certificates for critical services right now? Can we get it from external </a:t>
-            </a:r>
-            <a:r>
-              <a:rPr lang="en-US" dirty="0" err="1" smtClean="0"/>
-              <a:t>CAs</a:t>
-            </a:r>
-            <a:r>
-              <a:rPr lang="en-US" dirty="0" smtClean="0"/>
-              <a:t>?</a:t>
-            </a:r>
-            <a:r>
-              <a:rPr lang="en-US" dirty="0" smtClean="0"/>
-              <a:t> </a:t>
-            </a:r>
-          </a:p>
-          <a:p>
-            <a:pPr lvl="1"/>
-            <a:r>
-              <a:rPr lang="en-US" dirty="0" smtClean="0"/>
-              <a:t>Key stakeholder and key services from </a:t>
-            </a:r>
-            <a:r>
-              <a:rPr lang="en-US" dirty="0" err="1" smtClean="0"/>
-              <a:t>VOs</a:t>
-            </a:r>
-            <a:endParaRPr lang="en-US" dirty="0" smtClean="0"/>
-          </a:p>
-          <a:p>
-            <a:r>
-              <a:rPr lang="en-US" dirty="0" smtClean="0"/>
-              <a:t>How do we make sure the document is alive and tested periodically? </a:t>
-            </a:r>
-          </a:p>
-          <a:p>
-            <a:r>
-              <a:rPr lang="en-US" dirty="0" err="1" smtClean="0"/>
-              <a:t>Miron</a:t>
-            </a:r>
-            <a:r>
-              <a:rPr lang="en-US" dirty="0" smtClean="0"/>
-              <a:t> asks how much plan is different for small </a:t>
-            </a:r>
-            <a:r>
-              <a:rPr lang="en-US" dirty="0" err="1" smtClean="0"/>
-              <a:t>vs</a:t>
-            </a:r>
-            <a:r>
-              <a:rPr lang="en-US" dirty="0" smtClean="0"/>
-              <a:t> large </a:t>
-            </a:r>
-            <a:r>
-              <a:rPr lang="en-US" dirty="0" err="1" smtClean="0"/>
-              <a:t>VOs</a:t>
-            </a:r>
-            <a:r>
-              <a:rPr lang="en-US" dirty="0" smtClean="0"/>
-              <a:t>?</a:t>
-            </a:r>
-            <a:endParaRPr lang="en-US" dirty="0" smtClean="0"/>
-          </a:p>
-          <a:p>
-            <a:r>
-              <a:rPr lang="en-US" dirty="0" smtClean="0"/>
-              <a:t>How does VO use OSG? How many buckets are </a:t>
-            </a:r>
-            <a:r>
-              <a:rPr lang="en-US" dirty="0" err="1" smtClean="0"/>
-              <a:t>there?and</a:t>
-            </a:r>
-            <a:r>
-              <a:rPr lang="en-US" dirty="0" smtClean="0"/>
-              <a:t> how does </a:t>
-            </a:r>
-            <a:r>
-              <a:rPr lang="en-US" dirty="0" err="1" smtClean="0"/>
-              <a:t>VOs</a:t>
-            </a:r>
-            <a:r>
-              <a:rPr lang="en-US" dirty="0" smtClean="0"/>
-              <a:t> use and consume IDM?</a:t>
-            </a:r>
-            <a:endParaRPr lang="en-US" dirty="0"/>
-          </a:p>
-        </p:txBody>
-      </p:sp>
-      <p:sp>
-        <p:nvSpPr>
-          <p:cNvPr id="4" name="Slide Number Placeholder 3"/>
-          <p:cNvSpPr>
-            <a:spLocks noGrp="1"/>
-          </p:cNvSpPr>
-          <p:nvPr>
-            <p:ph type="sldNum" sz="quarter" idx="10"/>
-          </p:nvPr>
-        </p:nvSpPr>
-        <p:spPr/>
-        <p:txBody>
-          <a:bodyPr/>
-          <a:lstStyle/>
-          <a:p>
-            <a:pPr>
-              <a:defRPr/>
-            </a:pPr>
-            <a:fld id="{D246876D-3D33-4182-882D-D3DA3ED67FB2}" type="slidenum">
-              <a:rPr lang="en-US" smtClean="0"/>
-              <a:pPr>
-                <a:defRPr/>
-              </a:pPr>
-              <a:t>13</a:t>
-            </a:fld>
-            <a:endParaRPr lang="en-US"/>
-          </a:p>
-        </p:txBody>
-      </p:sp>
-    </p:spTree>
-  </p:cSld>
-  <p:clrMapOvr>
-    <a:masterClrMapping/>
-  </p:clrMapOvr>
-</p:sld>
-</file>
-
-<file path=ppt/slides/slide14.xml><?xml version="1.0" encoding="utf-8"?>
-<p:sld xmlns:a="http://schemas.openxmlformats.org/drawingml/2006/main" xmlns:r="http://schemas.openxmlformats.org/officeDocument/2006/relationships" xmlns:mc="http://schemas.openxmlformats.org/markup-compatibility/2006" xmlns:mv="urn:schemas-microsoft-com:mac:vml" xmlns:p="http://schemas.openxmlformats.org/presentationml/2006/main" mc:Ignorable="mv" mc:PreserveAttributes="mv:*">
-  <p:cSld>
-    <p:spTree>
-      <p:nvGrpSpPr>
-        <p:cNvPr id="1" name=""/>
-        <p:cNvGrpSpPr/>
-        <p:nvPr/>
-      </p:nvGrpSpPr>
-      <p:grpSpPr>
-        <a:xfrm>
-          <a:off x="0" y="0"/>
-          <a:ext cx="0" cy="0"/>
-          <a:chOff x="0" y="0"/>
-          <a:chExt cx="0" cy="0"/>
-        </a:xfrm>
-      </p:grpSpPr>
-      <p:sp>
-        <p:nvSpPr>
-          <p:cNvPr id="2" name="Title 1"/>
-          <p:cNvSpPr>
-            <a:spLocks noGrp="1"/>
-          </p:cNvSpPr>
-          <p:nvPr>
-            <p:ph type="title"/>
-          </p:nvPr>
-        </p:nvSpPr>
-        <p:spPr/>
-        <p:txBody>
-          <a:bodyPr/>
-          <a:lstStyle/>
-          <a:p>
-            <a:endParaRPr lang="en-US"/>
-          </a:p>
-        </p:txBody>
-      </p:sp>
-      <p:sp>
-        <p:nvSpPr>
-          <p:cNvPr id="3" name="Content Placeholder 2"/>
-          <p:cNvSpPr>
-            <a:spLocks noGrp="1"/>
-          </p:cNvSpPr>
-          <p:nvPr>
-            <p:ph idx="1"/>
-          </p:nvPr>
-        </p:nvSpPr>
-        <p:spPr>
-          <a:xfrm>
-            <a:off x="786912" y="1579605"/>
-            <a:ext cx="7772400" cy="4762288"/>
-          </a:xfrm>
-        </p:spPr>
-        <p:txBody>
-          <a:bodyPr/>
-          <a:lstStyle/>
-          <a:p>
-            <a:r>
-              <a:rPr lang="en-US" dirty="0" smtClean="0"/>
-              <a:t>How much does the plan address the authorization problem? If the CA is compromised , should we stop and ban all existing jobs? </a:t>
-            </a:r>
-          </a:p>
-          <a:p>
-            <a:pPr lvl="1"/>
-            <a:r>
-              <a:rPr lang="en-US" dirty="0" smtClean="0"/>
-              <a:t>What other forensics activities we should describe? </a:t>
-            </a:r>
-          </a:p>
-          <a:p>
-            <a:pPr lvl="1"/>
-            <a:endParaRPr lang="en-US" dirty="0" smtClean="0"/>
-          </a:p>
-          <a:p>
-            <a:endParaRPr lang="en-US" dirty="0"/>
-          </a:p>
-        </p:txBody>
-      </p:sp>
-      <p:sp>
-        <p:nvSpPr>
-          <p:cNvPr id="4" name="Slide Number Placeholder 3"/>
-          <p:cNvSpPr>
-            <a:spLocks noGrp="1"/>
-          </p:cNvSpPr>
-          <p:nvPr>
-            <p:ph type="sldNum" sz="quarter" idx="10"/>
-          </p:nvPr>
-        </p:nvSpPr>
-        <p:spPr/>
-        <p:txBody>
-          <a:bodyPr/>
-          <a:lstStyle/>
-          <a:p>
-            <a:pPr>
-              <a:defRPr/>
-            </a:pPr>
-            <a:fld id="{D246876D-3D33-4182-882D-D3DA3ED67FB2}" type="slidenum">
-              <a:rPr lang="en-US" smtClean="0"/>
-              <a:pPr>
-                <a:defRPr/>
-              </a:pPr>
-              <a:t>14</a:t>
             </a:fld>
             <a:endParaRPr lang="en-US"/>
           </a:p>
@@ -6896,11 +6535,19 @@
             </a:r>
             <a:r>
               <a:rPr lang="en-US" dirty="0" smtClean="0"/>
-              <a:t>production back </a:t>
+              <a:t>production </a:t>
             </a:r>
             <a:r>
               <a:rPr lang="en-US" dirty="0" smtClean="0"/>
-              <a:t>to close to regular levels, </a:t>
+              <a:t>back</a:t>
+            </a:r>
+            <a:r>
+              <a:rPr lang="en-US" dirty="0" smtClean="0"/>
+              <a:t> </a:t>
+            </a:r>
+            <a:r>
+              <a:rPr lang="en-US" dirty="0" smtClean="0"/>
+              <a:t>close to regular levels, </a:t>
             </a:r>
             <a:r>
               <a:rPr lang="en-US" dirty="0" smtClean="0"/>
